--- a/ppt 16-9/1542.上好的福份.pptx
+++ b/ppt 16-9/1542.上好的福份.pptx
@@ -129,7 +129,7 @@
           <p:cNvPr id="2" name="标题 1">
             <a:extLst>
               <a:ext uri="{FF2B5EF4-FFF2-40B4-BE49-F238E27FC236}">
-                <a16:creationId xmlns:a16="http://schemas.microsoft.com/office/drawing/2014/main" id="{3700123C-7D6D-755E-BD6A-687E18F83418}"/>
+                <a16:creationId xmlns:a16="http://schemas.microsoft.com/office/drawing/2014/main" id="{EEA83DA6-3AF6-706B-E4BF-F40CB0E01836}"/>
               </a:ext>
             </a:extLst>
           </p:cNvPr>
@@ -166,7 +166,7 @@
           <p:cNvPr id="3" name="副标题 2">
             <a:extLst>
               <a:ext uri="{FF2B5EF4-FFF2-40B4-BE49-F238E27FC236}">
-                <a16:creationId xmlns:a16="http://schemas.microsoft.com/office/drawing/2014/main" id="{608893C1-D733-6134-C20F-569F0BA69557}"/>
+                <a16:creationId xmlns:a16="http://schemas.microsoft.com/office/drawing/2014/main" id="{5F6ACB2C-C867-6EAC-BA94-5C56AF48E9C4}"/>
               </a:ext>
             </a:extLst>
           </p:cNvPr>
@@ -236,7 +236,7 @@
           <p:cNvPr id="4" name="日期占位符 3">
             <a:extLst>
               <a:ext uri="{FF2B5EF4-FFF2-40B4-BE49-F238E27FC236}">
-                <a16:creationId xmlns:a16="http://schemas.microsoft.com/office/drawing/2014/main" id="{C890E9C5-6A43-8DCF-2394-4677E7A1DDD1}"/>
+                <a16:creationId xmlns:a16="http://schemas.microsoft.com/office/drawing/2014/main" id="{6568F8FB-8518-0EA3-6FAF-32377D3DC530}"/>
               </a:ext>
             </a:extLst>
           </p:cNvPr>
@@ -252,7 +252,7 @@
           <a:bodyPr/>
           <a:lstStyle/>
           <a:p>
-            <a:fld id="{74F638AE-1EDF-4200-911E-0DC3CAE4A6DB}" type="datetimeFigureOut">
+            <a:fld id="{C7CE13EE-C1CA-412B-AFB0-2D955F2592ED}" type="datetimeFigureOut">
               <a:rPr lang="zh-CN" altLang="en-US" smtClean="0"/>
               <a:t>2024/3/10</a:t>
             </a:fld>
@@ -265,7 +265,7 @@
           <p:cNvPr id="5" name="页脚占位符 4">
             <a:extLst>
               <a:ext uri="{FF2B5EF4-FFF2-40B4-BE49-F238E27FC236}">
-                <a16:creationId xmlns:a16="http://schemas.microsoft.com/office/drawing/2014/main" id="{F1866CA6-8000-806E-659E-951806D9EEC1}"/>
+                <a16:creationId xmlns:a16="http://schemas.microsoft.com/office/drawing/2014/main" id="{EF8618DE-9240-5B52-BD26-CA4219139856}"/>
               </a:ext>
             </a:extLst>
           </p:cNvPr>
@@ -290,7 +290,7 @@
           <p:cNvPr id="6" name="灯片编号占位符 5">
             <a:extLst>
               <a:ext uri="{FF2B5EF4-FFF2-40B4-BE49-F238E27FC236}">
-                <a16:creationId xmlns:a16="http://schemas.microsoft.com/office/drawing/2014/main" id="{2DD232E2-BD12-296B-1E80-1A16579B604D}"/>
+                <a16:creationId xmlns:a16="http://schemas.microsoft.com/office/drawing/2014/main" id="{A083A0D9-9A58-8D80-2040-0C428128D8C2}"/>
               </a:ext>
             </a:extLst>
           </p:cNvPr>
@@ -306,7 +306,7 @@
           <a:bodyPr/>
           <a:lstStyle/>
           <a:p>
-            <a:fld id="{801230F3-EF55-4052-9A51-B580B51B5E48}" type="slidenum">
+            <a:fld id="{4727E5F4-C9BE-48B4-B5CB-FE6D462EE9B6}" type="slidenum">
               <a:rPr lang="zh-CN" altLang="en-US" smtClean="0"/>
               <a:t>‹#›</a:t>
             </a:fld>
@@ -317,7 +317,7 @@
     </p:spTree>
     <p:extLst>
       <p:ext uri="{BB962C8B-B14F-4D97-AF65-F5344CB8AC3E}">
-        <p14:creationId xmlns:p14="http://schemas.microsoft.com/office/powerpoint/2010/main" val="1873432599"/>
+        <p14:creationId xmlns:p14="http://schemas.microsoft.com/office/powerpoint/2010/main" val="2256807778"/>
       </p:ext>
     </p:extLst>
   </p:cSld>
@@ -349,7 +349,7 @@
           <p:cNvPr id="2" name="标题 1">
             <a:extLst>
               <a:ext uri="{FF2B5EF4-FFF2-40B4-BE49-F238E27FC236}">
-                <a16:creationId xmlns:a16="http://schemas.microsoft.com/office/drawing/2014/main" id="{CA5DBFAF-5D6A-28D9-6155-97B143853B05}"/>
+                <a16:creationId xmlns:a16="http://schemas.microsoft.com/office/drawing/2014/main" id="{2844F0CF-0471-35E4-F5D5-FFEE52A8742A}"/>
               </a:ext>
             </a:extLst>
           </p:cNvPr>
@@ -377,7 +377,7 @@
           <p:cNvPr id="3" name="竖排文字占位符 2">
             <a:extLst>
               <a:ext uri="{FF2B5EF4-FFF2-40B4-BE49-F238E27FC236}">
-                <a16:creationId xmlns:a16="http://schemas.microsoft.com/office/drawing/2014/main" id="{136F7860-B3D2-D092-5015-DBAD4EE8F62C}"/>
+                <a16:creationId xmlns:a16="http://schemas.microsoft.com/office/drawing/2014/main" id="{99CF68C7-F757-608C-CD09-ABD5B4E81241}"/>
               </a:ext>
             </a:extLst>
           </p:cNvPr>
@@ -434,7 +434,7 @@
           <p:cNvPr id="4" name="日期占位符 3">
             <a:extLst>
               <a:ext uri="{FF2B5EF4-FFF2-40B4-BE49-F238E27FC236}">
-                <a16:creationId xmlns:a16="http://schemas.microsoft.com/office/drawing/2014/main" id="{68F6E223-1028-356A-C287-3B6431A3D733}"/>
+                <a16:creationId xmlns:a16="http://schemas.microsoft.com/office/drawing/2014/main" id="{35CB775E-4F27-95A8-A2BA-D07B4F017F59}"/>
               </a:ext>
             </a:extLst>
           </p:cNvPr>
@@ -450,7 +450,7 @@
           <a:bodyPr/>
           <a:lstStyle/>
           <a:p>
-            <a:fld id="{74F638AE-1EDF-4200-911E-0DC3CAE4A6DB}" type="datetimeFigureOut">
+            <a:fld id="{C7CE13EE-C1CA-412B-AFB0-2D955F2592ED}" type="datetimeFigureOut">
               <a:rPr lang="zh-CN" altLang="en-US" smtClean="0"/>
               <a:t>2024/3/10</a:t>
             </a:fld>
@@ -463,7 +463,7 @@
           <p:cNvPr id="5" name="页脚占位符 4">
             <a:extLst>
               <a:ext uri="{FF2B5EF4-FFF2-40B4-BE49-F238E27FC236}">
-                <a16:creationId xmlns:a16="http://schemas.microsoft.com/office/drawing/2014/main" id="{8B0F1DFE-EA2C-6E9C-03A1-E022CF378995}"/>
+                <a16:creationId xmlns:a16="http://schemas.microsoft.com/office/drawing/2014/main" id="{19AF76DA-0348-27F1-2F08-64AC56481F0B}"/>
               </a:ext>
             </a:extLst>
           </p:cNvPr>
@@ -488,7 +488,7 @@
           <p:cNvPr id="6" name="灯片编号占位符 5">
             <a:extLst>
               <a:ext uri="{FF2B5EF4-FFF2-40B4-BE49-F238E27FC236}">
-                <a16:creationId xmlns:a16="http://schemas.microsoft.com/office/drawing/2014/main" id="{C65FF50F-6EA4-A73F-041F-49FBFFA8F751}"/>
+                <a16:creationId xmlns:a16="http://schemas.microsoft.com/office/drawing/2014/main" id="{436F4F91-E3B8-679E-4F66-1FA826CE6C1E}"/>
               </a:ext>
             </a:extLst>
           </p:cNvPr>
@@ -504,7 +504,7 @@
           <a:bodyPr/>
           <a:lstStyle/>
           <a:p>
-            <a:fld id="{801230F3-EF55-4052-9A51-B580B51B5E48}" type="slidenum">
+            <a:fld id="{4727E5F4-C9BE-48B4-B5CB-FE6D462EE9B6}" type="slidenum">
               <a:rPr lang="zh-CN" altLang="en-US" smtClean="0"/>
               <a:t>‹#›</a:t>
             </a:fld>
@@ -515,7 +515,7 @@
     </p:spTree>
     <p:extLst>
       <p:ext uri="{BB962C8B-B14F-4D97-AF65-F5344CB8AC3E}">
-        <p14:creationId xmlns:p14="http://schemas.microsoft.com/office/powerpoint/2010/main" val="1484536732"/>
+        <p14:creationId xmlns:p14="http://schemas.microsoft.com/office/powerpoint/2010/main" val="1576687081"/>
       </p:ext>
     </p:extLst>
   </p:cSld>
@@ -547,7 +547,7 @@
           <p:cNvPr id="2" name="竖排标题 1">
             <a:extLst>
               <a:ext uri="{FF2B5EF4-FFF2-40B4-BE49-F238E27FC236}">
-                <a16:creationId xmlns:a16="http://schemas.microsoft.com/office/drawing/2014/main" id="{3A012578-4A2F-84A5-300C-1855575BE1A1}"/>
+                <a16:creationId xmlns:a16="http://schemas.microsoft.com/office/drawing/2014/main" id="{DBB013BB-05ED-7029-0DD9-736754EB6FB7}"/>
               </a:ext>
             </a:extLst>
           </p:cNvPr>
@@ -580,7 +580,7 @@
           <p:cNvPr id="3" name="竖排文字占位符 2">
             <a:extLst>
               <a:ext uri="{FF2B5EF4-FFF2-40B4-BE49-F238E27FC236}">
-                <a16:creationId xmlns:a16="http://schemas.microsoft.com/office/drawing/2014/main" id="{CF468AF6-8EC8-D972-7511-5AF587E07101}"/>
+                <a16:creationId xmlns:a16="http://schemas.microsoft.com/office/drawing/2014/main" id="{96931C05-7CFB-1692-4A17-9007D956360F}"/>
               </a:ext>
             </a:extLst>
           </p:cNvPr>
@@ -642,7 +642,7 @@
           <p:cNvPr id="4" name="日期占位符 3">
             <a:extLst>
               <a:ext uri="{FF2B5EF4-FFF2-40B4-BE49-F238E27FC236}">
-                <a16:creationId xmlns:a16="http://schemas.microsoft.com/office/drawing/2014/main" id="{C099BEEF-A0A0-0921-2E24-6A3A8F3D95DB}"/>
+                <a16:creationId xmlns:a16="http://schemas.microsoft.com/office/drawing/2014/main" id="{021ACAC1-CF82-7721-3D54-2D676AFBB2D8}"/>
               </a:ext>
             </a:extLst>
           </p:cNvPr>
@@ -658,7 +658,7 @@
           <a:bodyPr/>
           <a:lstStyle/>
           <a:p>
-            <a:fld id="{74F638AE-1EDF-4200-911E-0DC3CAE4A6DB}" type="datetimeFigureOut">
+            <a:fld id="{C7CE13EE-C1CA-412B-AFB0-2D955F2592ED}" type="datetimeFigureOut">
               <a:rPr lang="zh-CN" altLang="en-US" smtClean="0"/>
               <a:t>2024/3/10</a:t>
             </a:fld>
@@ -671,7 +671,7 @@
           <p:cNvPr id="5" name="页脚占位符 4">
             <a:extLst>
               <a:ext uri="{FF2B5EF4-FFF2-40B4-BE49-F238E27FC236}">
-                <a16:creationId xmlns:a16="http://schemas.microsoft.com/office/drawing/2014/main" id="{2BE1D5DA-6F87-05E4-2606-4282115F00FF}"/>
+                <a16:creationId xmlns:a16="http://schemas.microsoft.com/office/drawing/2014/main" id="{0F62F694-0AF5-FB00-FD5C-77FDDD1C32C2}"/>
               </a:ext>
             </a:extLst>
           </p:cNvPr>
@@ -696,7 +696,7 @@
           <p:cNvPr id="6" name="灯片编号占位符 5">
             <a:extLst>
               <a:ext uri="{FF2B5EF4-FFF2-40B4-BE49-F238E27FC236}">
-                <a16:creationId xmlns:a16="http://schemas.microsoft.com/office/drawing/2014/main" id="{17F78BEE-8026-AA70-BA5A-35122A907004}"/>
+                <a16:creationId xmlns:a16="http://schemas.microsoft.com/office/drawing/2014/main" id="{1F9C26AB-6993-6FE3-B373-D895EDE880E2}"/>
               </a:ext>
             </a:extLst>
           </p:cNvPr>
@@ -712,7 +712,7 @@
           <a:bodyPr/>
           <a:lstStyle/>
           <a:p>
-            <a:fld id="{801230F3-EF55-4052-9A51-B580B51B5E48}" type="slidenum">
+            <a:fld id="{4727E5F4-C9BE-48B4-B5CB-FE6D462EE9B6}" type="slidenum">
               <a:rPr lang="zh-CN" altLang="en-US" smtClean="0"/>
               <a:t>‹#›</a:t>
             </a:fld>
@@ -723,7 +723,7 @@
     </p:spTree>
     <p:extLst>
       <p:ext uri="{BB962C8B-B14F-4D97-AF65-F5344CB8AC3E}">
-        <p14:creationId xmlns:p14="http://schemas.microsoft.com/office/powerpoint/2010/main" val="3094921848"/>
+        <p14:creationId xmlns:p14="http://schemas.microsoft.com/office/powerpoint/2010/main" val="2992205887"/>
       </p:ext>
     </p:extLst>
   </p:cSld>
@@ -755,7 +755,7 @@
           <p:cNvPr id="2" name="标题 1">
             <a:extLst>
               <a:ext uri="{FF2B5EF4-FFF2-40B4-BE49-F238E27FC236}">
-                <a16:creationId xmlns:a16="http://schemas.microsoft.com/office/drawing/2014/main" id="{DC636225-53DC-5D13-5414-2E45845DAA6E}"/>
+                <a16:creationId xmlns:a16="http://schemas.microsoft.com/office/drawing/2014/main" id="{537E597A-8093-9E05-35CC-C6752D44F3B1}"/>
               </a:ext>
             </a:extLst>
           </p:cNvPr>
@@ -783,7 +783,7 @@
           <p:cNvPr id="3" name="内容占位符 2">
             <a:extLst>
               <a:ext uri="{FF2B5EF4-FFF2-40B4-BE49-F238E27FC236}">
-                <a16:creationId xmlns:a16="http://schemas.microsoft.com/office/drawing/2014/main" id="{DBBDB663-3C41-65CD-AD90-49BE776F54D5}"/>
+                <a16:creationId xmlns:a16="http://schemas.microsoft.com/office/drawing/2014/main" id="{76B9A24A-5022-3B7A-1F07-69D835F0165B}"/>
               </a:ext>
             </a:extLst>
           </p:cNvPr>
@@ -840,7 +840,7 @@
           <p:cNvPr id="4" name="日期占位符 3">
             <a:extLst>
               <a:ext uri="{FF2B5EF4-FFF2-40B4-BE49-F238E27FC236}">
-                <a16:creationId xmlns:a16="http://schemas.microsoft.com/office/drawing/2014/main" id="{9B6807DF-29DE-6997-48A5-6E65737556A4}"/>
+                <a16:creationId xmlns:a16="http://schemas.microsoft.com/office/drawing/2014/main" id="{422E08C7-2166-8672-4D4D-C87CA967F338}"/>
               </a:ext>
             </a:extLst>
           </p:cNvPr>
@@ -856,7 +856,7 @@
           <a:bodyPr/>
           <a:lstStyle/>
           <a:p>
-            <a:fld id="{74F638AE-1EDF-4200-911E-0DC3CAE4A6DB}" type="datetimeFigureOut">
+            <a:fld id="{C7CE13EE-C1CA-412B-AFB0-2D955F2592ED}" type="datetimeFigureOut">
               <a:rPr lang="zh-CN" altLang="en-US" smtClean="0"/>
               <a:t>2024/3/10</a:t>
             </a:fld>
@@ -869,7 +869,7 @@
           <p:cNvPr id="5" name="页脚占位符 4">
             <a:extLst>
               <a:ext uri="{FF2B5EF4-FFF2-40B4-BE49-F238E27FC236}">
-                <a16:creationId xmlns:a16="http://schemas.microsoft.com/office/drawing/2014/main" id="{F3C79D52-015D-7107-9C7F-6C6DD4AC1F88}"/>
+                <a16:creationId xmlns:a16="http://schemas.microsoft.com/office/drawing/2014/main" id="{0845DB3A-3B6B-3B7E-22C1-439CB63ADFF9}"/>
               </a:ext>
             </a:extLst>
           </p:cNvPr>
@@ -894,7 +894,7 @@
           <p:cNvPr id="6" name="灯片编号占位符 5">
             <a:extLst>
               <a:ext uri="{FF2B5EF4-FFF2-40B4-BE49-F238E27FC236}">
-                <a16:creationId xmlns:a16="http://schemas.microsoft.com/office/drawing/2014/main" id="{0D9DF247-8DE3-18B6-4F2C-EF64F55EC954}"/>
+                <a16:creationId xmlns:a16="http://schemas.microsoft.com/office/drawing/2014/main" id="{731BEE56-19A2-CFD3-0B5D-F2E7BB711498}"/>
               </a:ext>
             </a:extLst>
           </p:cNvPr>
@@ -910,7 +910,7 @@
           <a:bodyPr/>
           <a:lstStyle/>
           <a:p>
-            <a:fld id="{801230F3-EF55-4052-9A51-B580B51B5E48}" type="slidenum">
+            <a:fld id="{4727E5F4-C9BE-48B4-B5CB-FE6D462EE9B6}" type="slidenum">
               <a:rPr lang="zh-CN" altLang="en-US" smtClean="0"/>
               <a:t>‹#›</a:t>
             </a:fld>
@@ -921,7 +921,7 @@
     </p:spTree>
     <p:extLst>
       <p:ext uri="{BB962C8B-B14F-4D97-AF65-F5344CB8AC3E}">
-        <p14:creationId xmlns:p14="http://schemas.microsoft.com/office/powerpoint/2010/main" val="3939544380"/>
+        <p14:creationId xmlns:p14="http://schemas.microsoft.com/office/powerpoint/2010/main" val="1864372873"/>
       </p:ext>
     </p:extLst>
   </p:cSld>
@@ -953,7 +953,7 @@
           <p:cNvPr id="2" name="标题 1">
             <a:extLst>
               <a:ext uri="{FF2B5EF4-FFF2-40B4-BE49-F238E27FC236}">
-                <a16:creationId xmlns:a16="http://schemas.microsoft.com/office/drawing/2014/main" id="{3A53E1F5-6B3D-0F2B-2DC3-6558526B3EDF}"/>
+                <a16:creationId xmlns:a16="http://schemas.microsoft.com/office/drawing/2014/main" id="{9289A8B9-BF02-E549-8A3E-3653769CB5A8}"/>
               </a:ext>
             </a:extLst>
           </p:cNvPr>
@@ -990,7 +990,7 @@
           <p:cNvPr id="3" name="文本占位符 2">
             <a:extLst>
               <a:ext uri="{FF2B5EF4-FFF2-40B4-BE49-F238E27FC236}">
-                <a16:creationId xmlns:a16="http://schemas.microsoft.com/office/drawing/2014/main" id="{C21E595C-FDF0-2161-8306-80FA35200F31}"/>
+                <a16:creationId xmlns:a16="http://schemas.microsoft.com/office/drawing/2014/main" id="{A6B94DAB-514D-6A6C-48C0-433C8816D9C2}"/>
               </a:ext>
             </a:extLst>
           </p:cNvPr>
@@ -1115,7 +1115,7 @@
           <p:cNvPr id="4" name="日期占位符 3">
             <a:extLst>
               <a:ext uri="{FF2B5EF4-FFF2-40B4-BE49-F238E27FC236}">
-                <a16:creationId xmlns:a16="http://schemas.microsoft.com/office/drawing/2014/main" id="{9946E0CA-7DD9-474A-17FC-099B5F85A756}"/>
+                <a16:creationId xmlns:a16="http://schemas.microsoft.com/office/drawing/2014/main" id="{A19A6A15-741B-3898-1313-B856511C919D}"/>
               </a:ext>
             </a:extLst>
           </p:cNvPr>
@@ -1131,7 +1131,7 @@
           <a:bodyPr/>
           <a:lstStyle/>
           <a:p>
-            <a:fld id="{74F638AE-1EDF-4200-911E-0DC3CAE4A6DB}" type="datetimeFigureOut">
+            <a:fld id="{C7CE13EE-C1CA-412B-AFB0-2D955F2592ED}" type="datetimeFigureOut">
               <a:rPr lang="zh-CN" altLang="en-US" smtClean="0"/>
               <a:t>2024/3/10</a:t>
             </a:fld>
@@ -1144,7 +1144,7 @@
           <p:cNvPr id="5" name="页脚占位符 4">
             <a:extLst>
               <a:ext uri="{FF2B5EF4-FFF2-40B4-BE49-F238E27FC236}">
-                <a16:creationId xmlns:a16="http://schemas.microsoft.com/office/drawing/2014/main" id="{F435BC5D-3E9E-28D6-5DBD-8700DD6ADF75}"/>
+                <a16:creationId xmlns:a16="http://schemas.microsoft.com/office/drawing/2014/main" id="{ECDC453D-3540-6CA2-77DB-00DD3E05DAB1}"/>
               </a:ext>
             </a:extLst>
           </p:cNvPr>
@@ -1169,7 +1169,7 @@
           <p:cNvPr id="6" name="灯片编号占位符 5">
             <a:extLst>
               <a:ext uri="{FF2B5EF4-FFF2-40B4-BE49-F238E27FC236}">
-                <a16:creationId xmlns:a16="http://schemas.microsoft.com/office/drawing/2014/main" id="{B9C0FB4B-5E1B-53A8-8B2C-E714578A4F6C}"/>
+                <a16:creationId xmlns:a16="http://schemas.microsoft.com/office/drawing/2014/main" id="{F7F46996-18D0-7A0E-717A-F0D35901C29F}"/>
               </a:ext>
             </a:extLst>
           </p:cNvPr>
@@ -1185,7 +1185,7 @@
           <a:bodyPr/>
           <a:lstStyle/>
           <a:p>
-            <a:fld id="{801230F3-EF55-4052-9A51-B580B51B5E48}" type="slidenum">
+            <a:fld id="{4727E5F4-C9BE-48B4-B5CB-FE6D462EE9B6}" type="slidenum">
               <a:rPr lang="zh-CN" altLang="en-US" smtClean="0"/>
               <a:t>‹#›</a:t>
             </a:fld>
@@ -1196,7 +1196,7 @@
     </p:spTree>
     <p:extLst>
       <p:ext uri="{BB962C8B-B14F-4D97-AF65-F5344CB8AC3E}">
-        <p14:creationId xmlns:p14="http://schemas.microsoft.com/office/powerpoint/2010/main" val="2811576780"/>
+        <p14:creationId xmlns:p14="http://schemas.microsoft.com/office/powerpoint/2010/main" val="1669628452"/>
       </p:ext>
     </p:extLst>
   </p:cSld>
@@ -1228,7 +1228,7 @@
           <p:cNvPr id="2" name="标题 1">
             <a:extLst>
               <a:ext uri="{FF2B5EF4-FFF2-40B4-BE49-F238E27FC236}">
-                <a16:creationId xmlns:a16="http://schemas.microsoft.com/office/drawing/2014/main" id="{8FC470BE-C27B-7779-1A03-6DFCBDA3F121}"/>
+                <a16:creationId xmlns:a16="http://schemas.microsoft.com/office/drawing/2014/main" id="{AF41B598-B606-5BC6-42B9-67141304CC5A}"/>
               </a:ext>
             </a:extLst>
           </p:cNvPr>
@@ -1256,7 +1256,7 @@
           <p:cNvPr id="3" name="内容占位符 2">
             <a:extLst>
               <a:ext uri="{FF2B5EF4-FFF2-40B4-BE49-F238E27FC236}">
-                <a16:creationId xmlns:a16="http://schemas.microsoft.com/office/drawing/2014/main" id="{9B5D6844-A311-10C4-E5E9-34B2BF2DBAAA}"/>
+                <a16:creationId xmlns:a16="http://schemas.microsoft.com/office/drawing/2014/main" id="{9787E567-67EB-016D-7C2F-1DFF0826C756}"/>
               </a:ext>
             </a:extLst>
           </p:cNvPr>
@@ -1318,7 +1318,7 @@
           <p:cNvPr id="4" name="内容占位符 3">
             <a:extLst>
               <a:ext uri="{FF2B5EF4-FFF2-40B4-BE49-F238E27FC236}">
-                <a16:creationId xmlns:a16="http://schemas.microsoft.com/office/drawing/2014/main" id="{B3CBEB7A-BE97-B958-3331-9EAD39BAAF44}"/>
+                <a16:creationId xmlns:a16="http://schemas.microsoft.com/office/drawing/2014/main" id="{A002B25F-CCA3-233D-92F5-3ED5744EE470}"/>
               </a:ext>
             </a:extLst>
           </p:cNvPr>
@@ -1380,7 +1380,7 @@
           <p:cNvPr id="5" name="日期占位符 4">
             <a:extLst>
               <a:ext uri="{FF2B5EF4-FFF2-40B4-BE49-F238E27FC236}">
-                <a16:creationId xmlns:a16="http://schemas.microsoft.com/office/drawing/2014/main" id="{5ED9D4F2-C391-8AE7-C85B-65ED13A7E500}"/>
+                <a16:creationId xmlns:a16="http://schemas.microsoft.com/office/drawing/2014/main" id="{F39DAD19-C554-16C9-1A51-8C89B59FE95C}"/>
               </a:ext>
             </a:extLst>
           </p:cNvPr>
@@ -1396,7 +1396,7 @@
           <a:bodyPr/>
           <a:lstStyle/>
           <a:p>
-            <a:fld id="{74F638AE-1EDF-4200-911E-0DC3CAE4A6DB}" type="datetimeFigureOut">
+            <a:fld id="{C7CE13EE-C1CA-412B-AFB0-2D955F2592ED}" type="datetimeFigureOut">
               <a:rPr lang="zh-CN" altLang="en-US" smtClean="0"/>
               <a:t>2024/3/10</a:t>
             </a:fld>
@@ -1409,7 +1409,7 @@
           <p:cNvPr id="6" name="页脚占位符 5">
             <a:extLst>
               <a:ext uri="{FF2B5EF4-FFF2-40B4-BE49-F238E27FC236}">
-                <a16:creationId xmlns:a16="http://schemas.microsoft.com/office/drawing/2014/main" id="{089FCAC2-D055-9F0D-8CD2-C685ABAA1203}"/>
+                <a16:creationId xmlns:a16="http://schemas.microsoft.com/office/drawing/2014/main" id="{66101E89-F345-7FC6-7285-21495C39CFF5}"/>
               </a:ext>
             </a:extLst>
           </p:cNvPr>
@@ -1434,7 +1434,7 @@
           <p:cNvPr id="7" name="灯片编号占位符 6">
             <a:extLst>
               <a:ext uri="{FF2B5EF4-FFF2-40B4-BE49-F238E27FC236}">
-                <a16:creationId xmlns:a16="http://schemas.microsoft.com/office/drawing/2014/main" id="{62D9E3DC-2D76-B0E3-A794-B0BDD135E4B1}"/>
+                <a16:creationId xmlns:a16="http://schemas.microsoft.com/office/drawing/2014/main" id="{8BDF741D-2AA9-9085-FD70-03A5AB71B30D}"/>
               </a:ext>
             </a:extLst>
           </p:cNvPr>
@@ -1450,7 +1450,7 @@
           <a:bodyPr/>
           <a:lstStyle/>
           <a:p>
-            <a:fld id="{801230F3-EF55-4052-9A51-B580B51B5E48}" type="slidenum">
+            <a:fld id="{4727E5F4-C9BE-48B4-B5CB-FE6D462EE9B6}" type="slidenum">
               <a:rPr lang="zh-CN" altLang="en-US" smtClean="0"/>
               <a:t>‹#›</a:t>
             </a:fld>
@@ -1461,7 +1461,7 @@
     </p:spTree>
     <p:extLst>
       <p:ext uri="{BB962C8B-B14F-4D97-AF65-F5344CB8AC3E}">
-        <p14:creationId xmlns:p14="http://schemas.microsoft.com/office/powerpoint/2010/main" val="3430761686"/>
+        <p14:creationId xmlns:p14="http://schemas.microsoft.com/office/powerpoint/2010/main" val="2604646500"/>
       </p:ext>
     </p:extLst>
   </p:cSld>
@@ -1493,7 +1493,7 @@
           <p:cNvPr id="2" name="标题 1">
             <a:extLst>
               <a:ext uri="{FF2B5EF4-FFF2-40B4-BE49-F238E27FC236}">
-                <a16:creationId xmlns:a16="http://schemas.microsoft.com/office/drawing/2014/main" id="{2F1DC7E7-C7E6-0B4F-16C5-830A739F3CF1}"/>
+                <a16:creationId xmlns:a16="http://schemas.microsoft.com/office/drawing/2014/main" id="{12D470CD-6E65-FF0B-C6A5-1CD45EC54B97}"/>
               </a:ext>
             </a:extLst>
           </p:cNvPr>
@@ -1526,7 +1526,7 @@
           <p:cNvPr id="3" name="文本占位符 2">
             <a:extLst>
               <a:ext uri="{FF2B5EF4-FFF2-40B4-BE49-F238E27FC236}">
-                <a16:creationId xmlns:a16="http://schemas.microsoft.com/office/drawing/2014/main" id="{234A8155-06C9-096B-8657-ED50266F169B}"/>
+                <a16:creationId xmlns:a16="http://schemas.microsoft.com/office/drawing/2014/main" id="{675665F6-6A26-344B-361D-20BCE4FFD924}"/>
               </a:ext>
             </a:extLst>
           </p:cNvPr>
@@ -1597,7 +1597,7 @@
           <p:cNvPr id="4" name="内容占位符 3">
             <a:extLst>
               <a:ext uri="{FF2B5EF4-FFF2-40B4-BE49-F238E27FC236}">
-                <a16:creationId xmlns:a16="http://schemas.microsoft.com/office/drawing/2014/main" id="{7930D7AD-3EAB-ECD4-DEC2-6093911A152B}"/>
+                <a16:creationId xmlns:a16="http://schemas.microsoft.com/office/drawing/2014/main" id="{E3F99935-C87E-3620-F8D4-A450E6507E39}"/>
               </a:ext>
             </a:extLst>
           </p:cNvPr>
@@ -1659,7 +1659,7 @@
           <p:cNvPr id="5" name="文本占位符 4">
             <a:extLst>
               <a:ext uri="{FF2B5EF4-FFF2-40B4-BE49-F238E27FC236}">
-                <a16:creationId xmlns:a16="http://schemas.microsoft.com/office/drawing/2014/main" id="{79B64732-99F4-0FE0-3EB4-FC88E59A4242}"/>
+                <a16:creationId xmlns:a16="http://schemas.microsoft.com/office/drawing/2014/main" id="{6C52B993-3851-208C-07F9-42C9F341049C}"/>
               </a:ext>
             </a:extLst>
           </p:cNvPr>
@@ -1730,7 +1730,7 @@
           <p:cNvPr id="6" name="内容占位符 5">
             <a:extLst>
               <a:ext uri="{FF2B5EF4-FFF2-40B4-BE49-F238E27FC236}">
-                <a16:creationId xmlns:a16="http://schemas.microsoft.com/office/drawing/2014/main" id="{52A95566-B448-D49D-970D-58EC3AD293F2}"/>
+                <a16:creationId xmlns:a16="http://schemas.microsoft.com/office/drawing/2014/main" id="{C1471CC7-8C6D-E2D4-C0A9-9EF850A6CAC9}"/>
               </a:ext>
             </a:extLst>
           </p:cNvPr>
@@ -1792,7 +1792,7 @@
           <p:cNvPr id="7" name="日期占位符 6">
             <a:extLst>
               <a:ext uri="{FF2B5EF4-FFF2-40B4-BE49-F238E27FC236}">
-                <a16:creationId xmlns:a16="http://schemas.microsoft.com/office/drawing/2014/main" id="{EB931CB6-D489-9403-00FD-8B88E38E3C9F}"/>
+                <a16:creationId xmlns:a16="http://schemas.microsoft.com/office/drawing/2014/main" id="{58969F53-497B-1B01-7957-1B8E24EC1C1D}"/>
               </a:ext>
             </a:extLst>
           </p:cNvPr>
@@ -1808,7 +1808,7 @@
           <a:bodyPr/>
           <a:lstStyle/>
           <a:p>
-            <a:fld id="{74F638AE-1EDF-4200-911E-0DC3CAE4A6DB}" type="datetimeFigureOut">
+            <a:fld id="{C7CE13EE-C1CA-412B-AFB0-2D955F2592ED}" type="datetimeFigureOut">
               <a:rPr lang="zh-CN" altLang="en-US" smtClean="0"/>
               <a:t>2024/3/10</a:t>
             </a:fld>
@@ -1821,7 +1821,7 @@
           <p:cNvPr id="8" name="页脚占位符 7">
             <a:extLst>
               <a:ext uri="{FF2B5EF4-FFF2-40B4-BE49-F238E27FC236}">
-                <a16:creationId xmlns:a16="http://schemas.microsoft.com/office/drawing/2014/main" id="{48084BAA-0523-F260-11B6-7E2FA5F7C2B4}"/>
+                <a16:creationId xmlns:a16="http://schemas.microsoft.com/office/drawing/2014/main" id="{87EFBDE2-8CAC-F66D-EE63-90B0C5130380}"/>
               </a:ext>
             </a:extLst>
           </p:cNvPr>
@@ -1846,7 +1846,7 @@
           <p:cNvPr id="9" name="灯片编号占位符 8">
             <a:extLst>
               <a:ext uri="{FF2B5EF4-FFF2-40B4-BE49-F238E27FC236}">
-                <a16:creationId xmlns:a16="http://schemas.microsoft.com/office/drawing/2014/main" id="{14EC82A2-85F4-02F0-A2C2-705DA925236D}"/>
+                <a16:creationId xmlns:a16="http://schemas.microsoft.com/office/drawing/2014/main" id="{41212D79-806B-A117-EF12-D88E4C56A0E5}"/>
               </a:ext>
             </a:extLst>
           </p:cNvPr>
@@ -1862,7 +1862,7 @@
           <a:bodyPr/>
           <a:lstStyle/>
           <a:p>
-            <a:fld id="{801230F3-EF55-4052-9A51-B580B51B5E48}" type="slidenum">
+            <a:fld id="{4727E5F4-C9BE-48B4-B5CB-FE6D462EE9B6}" type="slidenum">
               <a:rPr lang="zh-CN" altLang="en-US" smtClean="0"/>
               <a:t>‹#›</a:t>
             </a:fld>
@@ -1873,7 +1873,7 @@
     </p:spTree>
     <p:extLst>
       <p:ext uri="{BB962C8B-B14F-4D97-AF65-F5344CB8AC3E}">
-        <p14:creationId xmlns:p14="http://schemas.microsoft.com/office/powerpoint/2010/main" val="270512047"/>
+        <p14:creationId xmlns:p14="http://schemas.microsoft.com/office/powerpoint/2010/main" val="3481028724"/>
       </p:ext>
     </p:extLst>
   </p:cSld>
@@ -1905,7 +1905,7 @@
           <p:cNvPr id="2" name="标题 1">
             <a:extLst>
               <a:ext uri="{FF2B5EF4-FFF2-40B4-BE49-F238E27FC236}">
-                <a16:creationId xmlns:a16="http://schemas.microsoft.com/office/drawing/2014/main" id="{EC14413D-C6DA-39FF-27C1-4DF7943EDB59}"/>
+                <a16:creationId xmlns:a16="http://schemas.microsoft.com/office/drawing/2014/main" id="{AD29CA05-5F9C-ED25-D0D4-EBCEAA94BB5F}"/>
               </a:ext>
             </a:extLst>
           </p:cNvPr>
@@ -1933,7 +1933,7 @@
           <p:cNvPr id="3" name="日期占位符 2">
             <a:extLst>
               <a:ext uri="{FF2B5EF4-FFF2-40B4-BE49-F238E27FC236}">
-                <a16:creationId xmlns:a16="http://schemas.microsoft.com/office/drawing/2014/main" id="{12E1E5BD-A052-6611-D0AC-E4FF711B5865}"/>
+                <a16:creationId xmlns:a16="http://schemas.microsoft.com/office/drawing/2014/main" id="{26B24E22-BF7E-A1AA-F022-52B7AE1DDD24}"/>
               </a:ext>
             </a:extLst>
           </p:cNvPr>
@@ -1949,7 +1949,7 @@
           <a:bodyPr/>
           <a:lstStyle/>
           <a:p>
-            <a:fld id="{74F638AE-1EDF-4200-911E-0DC3CAE4A6DB}" type="datetimeFigureOut">
+            <a:fld id="{C7CE13EE-C1CA-412B-AFB0-2D955F2592ED}" type="datetimeFigureOut">
               <a:rPr lang="zh-CN" altLang="en-US" smtClean="0"/>
               <a:t>2024/3/10</a:t>
             </a:fld>
@@ -1962,7 +1962,7 @@
           <p:cNvPr id="4" name="页脚占位符 3">
             <a:extLst>
               <a:ext uri="{FF2B5EF4-FFF2-40B4-BE49-F238E27FC236}">
-                <a16:creationId xmlns:a16="http://schemas.microsoft.com/office/drawing/2014/main" id="{BC3C11E4-718F-F89F-65DB-FA723D8FB466}"/>
+                <a16:creationId xmlns:a16="http://schemas.microsoft.com/office/drawing/2014/main" id="{FB4AB635-60D0-1423-6EC1-B0D900B2719E}"/>
               </a:ext>
             </a:extLst>
           </p:cNvPr>
@@ -1987,7 +1987,7 @@
           <p:cNvPr id="5" name="灯片编号占位符 4">
             <a:extLst>
               <a:ext uri="{FF2B5EF4-FFF2-40B4-BE49-F238E27FC236}">
-                <a16:creationId xmlns:a16="http://schemas.microsoft.com/office/drawing/2014/main" id="{35905875-25F9-7F3D-5879-C3FB9A7A9F3E}"/>
+                <a16:creationId xmlns:a16="http://schemas.microsoft.com/office/drawing/2014/main" id="{1683C1BF-2BC1-0C19-7D65-E111E328C380}"/>
               </a:ext>
             </a:extLst>
           </p:cNvPr>
@@ -2003,7 +2003,7 @@
           <a:bodyPr/>
           <a:lstStyle/>
           <a:p>
-            <a:fld id="{801230F3-EF55-4052-9A51-B580B51B5E48}" type="slidenum">
+            <a:fld id="{4727E5F4-C9BE-48B4-B5CB-FE6D462EE9B6}" type="slidenum">
               <a:rPr lang="zh-CN" altLang="en-US" smtClean="0"/>
               <a:t>‹#›</a:t>
             </a:fld>
@@ -2014,7 +2014,7 @@
     </p:spTree>
     <p:extLst>
       <p:ext uri="{BB962C8B-B14F-4D97-AF65-F5344CB8AC3E}">
-        <p14:creationId xmlns:p14="http://schemas.microsoft.com/office/powerpoint/2010/main" val="1485870491"/>
+        <p14:creationId xmlns:p14="http://schemas.microsoft.com/office/powerpoint/2010/main" val="1691034749"/>
       </p:ext>
     </p:extLst>
   </p:cSld>
@@ -2046,7 +2046,7 @@
           <p:cNvPr id="2" name="日期占位符 1">
             <a:extLst>
               <a:ext uri="{FF2B5EF4-FFF2-40B4-BE49-F238E27FC236}">
-                <a16:creationId xmlns:a16="http://schemas.microsoft.com/office/drawing/2014/main" id="{E69CFFF1-C32B-FD39-E8A7-83A8F141EFEB}"/>
+                <a16:creationId xmlns:a16="http://schemas.microsoft.com/office/drawing/2014/main" id="{1B246885-3E5F-DC22-153F-16EA300648A4}"/>
               </a:ext>
             </a:extLst>
           </p:cNvPr>
@@ -2062,7 +2062,7 @@
           <a:bodyPr/>
           <a:lstStyle/>
           <a:p>
-            <a:fld id="{74F638AE-1EDF-4200-911E-0DC3CAE4A6DB}" type="datetimeFigureOut">
+            <a:fld id="{C7CE13EE-C1CA-412B-AFB0-2D955F2592ED}" type="datetimeFigureOut">
               <a:rPr lang="zh-CN" altLang="en-US" smtClean="0"/>
               <a:t>2024/3/10</a:t>
             </a:fld>
@@ -2075,7 +2075,7 @@
           <p:cNvPr id="3" name="页脚占位符 2">
             <a:extLst>
               <a:ext uri="{FF2B5EF4-FFF2-40B4-BE49-F238E27FC236}">
-                <a16:creationId xmlns:a16="http://schemas.microsoft.com/office/drawing/2014/main" id="{AC73CD2E-D90D-F6FD-9B55-5DC43783C88F}"/>
+                <a16:creationId xmlns:a16="http://schemas.microsoft.com/office/drawing/2014/main" id="{00CB69B8-5C99-B6FA-18E3-63D4C730DE35}"/>
               </a:ext>
             </a:extLst>
           </p:cNvPr>
@@ -2100,7 +2100,7 @@
           <p:cNvPr id="4" name="灯片编号占位符 3">
             <a:extLst>
               <a:ext uri="{FF2B5EF4-FFF2-40B4-BE49-F238E27FC236}">
-                <a16:creationId xmlns:a16="http://schemas.microsoft.com/office/drawing/2014/main" id="{CD740E0E-CCEB-8C5B-0307-CBAB33765DA1}"/>
+                <a16:creationId xmlns:a16="http://schemas.microsoft.com/office/drawing/2014/main" id="{5F470C76-68AB-317E-B54C-BDBAC19B265A}"/>
               </a:ext>
             </a:extLst>
           </p:cNvPr>
@@ -2116,7 +2116,7 @@
           <a:bodyPr/>
           <a:lstStyle/>
           <a:p>
-            <a:fld id="{801230F3-EF55-4052-9A51-B580B51B5E48}" type="slidenum">
+            <a:fld id="{4727E5F4-C9BE-48B4-B5CB-FE6D462EE9B6}" type="slidenum">
               <a:rPr lang="zh-CN" altLang="en-US" smtClean="0"/>
               <a:t>‹#›</a:t>
             </a:fld>
@@ -2127,7 +2127,7 @@
     </p:spTree>
     <p:extLst>
       <p:ext uri="{BB962C8B-B14F-4D97-AF65-F5344CB8AC3E}">
-        <p14:creationId xmlns:p14="http://schemas.microsoft.com/office/powerpoint/2010/main" val="4224849499"/>
+        <p14:creationId xmlns:p14="http://schemas.microsoft.com/office/powerpoint/2010/main" val="4212776619"/>
       </p:ext>
     </p:extLst>
   </p:cSld>
@@ -2159,7 +2159,7 @@
           <p:cNvPr id="2" name="标题 1">
             <a:extLst>
               <a:ext uri="{FF2B5EF4-FFF2-40B4-BE49-F238E27FC236}">
-                <a16:creationId xmlns:a16="http://schemas.microsoft.com/office/drawing/2014/main" id="{C2EE2A5D-4607-3A72-8F9D-1CEE965DC975}"/>
+                <a16:creationId xmlns:a16="http://schemas.microsoft.com/office/drawing/2014/main" id="{AC392979-4B64-FA69-DC26-098BDCC535A8}"/>
               </a:ext>
             </a:extLst>
           </p:cNvPr>
@@ -2196,7 +2196,7 @@
           <p:cNvPr id="3" name="内容占位符 2">
             <a:extLst>
               <a:ext uri="{FF2B5EF4-FFF2-40B4-BE49-F238E27FC236}">
-                <a16:creationId xmlns:a16="http://schemas.microsoft.com/office/drawing/2014/main" id="{558CB64C-4AA4-1EF5-D113-A7394B20112D}"/>
+                <a16:creationId xmlns:a16="http://schemas.microsoft.com/office/drawing/2014/main" id="{2F9D5302-4437-9612-40A6-5F1E3A0E783C}"/>
               </a:ext>
             </a:extLst>
           </p:cNvPr>
@@ -2286,7 +2286,7 @@
           <p:cNvPr id="4" name="文本占位符 3">
             <a:extLst>
               <a:ext uri="{FF2B5EF4-FFF2-40B4-BE49-F238E27FC236}">
-                <a16:creationId xmlns:a16="http://schemas.microsoft.com/office/drawing/2014/main" id="{760F94AA-7AFA-92D6-C590-AE43B4B90734}"/>
+                <a16:creationId xmlns:a16="http://schemas.microsoft.com/office/drawing/2014/main" id="{F5081151-9355-35D5-0B92-FF4F1FD540AA}"/>
               </a:ext>
             </a:extLst>
           </p:cNvPr>
@@ -2357,7 +2357,7 @@
           <p:cNvPr id="5" name="日期占位符 4">
             <a:extLst>
               <a:ext uri="{FF2B5EF4-FFF2-40B4-BE49-F238E27FC236}">
-                <a16:creationId xmlns:a16="http://schemas.microsoft.com/office/drawing/2014/main" id="{B3DEBC39-001A-7AD0-58F1-F76C9C457299}"/>
+                <a16:creationId xmlns:a16="http://schemas.microsoft.com/office/drawing/2014/main" id="{B42CCA3A-77F4-97D4-DC85-18F3E15372C8}"/>
               </a:ext>
             </a:extLst>
           </p:cNvPr>
@@ -2373,7 +2373,7 @@
           <a:bodyPr/>
           <a:lstStyle/>
           <a:p>
-            <a:fld id="{74F638AE-1EDF-4200-911E-0DC3CAE4A6DB}" type="datetimeFigureOut">
+            <a:fld id="{C7CE13EE-C1CA-412B-AFB0-2D955F2592ED}" type="datetimeFigureOut">
               <a:rPr lang="zh-CN" altLang="en-US" smtClean="0"/>
               <a:t>2024/3/10</a:t>
             </a:fld>
@@ -2386,7 +2386,7 @@
           <p:cNvPr id="6" name="页脚占位符 5">
             <a:extLst>
               <a:ext uri="{FF2B5EF4-FFF2-40B4-BE49-F238E27FC236}">
-                <a16:creationId xmlns:a16="http://schemas.microsoft.com/office/drawing/2014/main" id="{DBCDA5BD-3885-04B2-910A-87C07105B9F6}"/>
+                <a16:creationId xmlns:a16="http://schemas.microsoft.com/office/drawing/2014/main" id="{76EBB589-09F8-1AE2-E217-C31D89A8A9CE}"/>
               </a:ext>
             </a:extLst>
           </p:cNvPr>
@@ -2411,7 +2411,7 @@
           <p:cNvPr id="7" name="灯片编号占位符 6">
             <a:extLst>
               <a:ext uri="{FF2B5EF4-FFF2-40B4-BE49-F238E27FC236}">
-                <a16:creationId xmlns:a16="http://schemas.microsoft.com/office/drawing/2014/main" id="{724343FD-B5D2-5D76-B6E1-A0BF300BB7DC}"/>
+                <a16:creationId xmlns:a16="http://schemas.microsoft.com/office/drawing/2014/main" id="{998AD88B-58E2-E729-B9CF-240C5C05A3C2}"/>
               </a:ext>
             </a:extLst>
           </p:cNvPr>
@@ -2427,7 +2427,7 @@
           <a:bodyPr/>
           <a:lstStyle/>
           <a:p>
-            <a:fld id="{801230F3-EF55-4052-9A51-B580B51B5E48}" type="slidenum">
+            <a:fld id="{4727E5F4-C9BE-48B4-B5CB-FE6D462EE9B6}" type="slidenum">
               <a:rPr lang="zh-CN" altLang="en-US" smtClean="0"/>
               <a:t>‹#›</a:t>
             </a:fld>
@@ -2438,7 +2438,7 @@
     </p:spTree>
     <p:extLst>
       <p:ext uri="{BB962C8B-B14F-4D97-AF65-F5344CB8AC3E}">
-        <p14:creationId xmlns:p14="http://schemas.microsoft.com/office/powerpoint/2010/main" val="1860284690"/>
+        <p14:creationId xmlns:p14="http://schemas.microsoft.com/office/powerpoint/2010/main" val="2785386866"/>
       </p:ext>
     </p:extLst>
   </p:cSld>
@@ -2470,7 +2470,7 @@
           <p:cNvPr id="2" name="标题 1">
             <a:extLst>
               <a:ext uri="{FF2B5EF4-FFF2-40B4-BE49-F238E27FC236}">
-                <a16:creationId xmlns:a16="http://schemas.microsoft.com/office/drawing/2014/main" id="{7325C691-96F9-9C38-F444-362FE33DA7ED}"/>
+                <a16:creationId xmlns:a16="http://schemas.microsoft.com/office/drawing/2014/main" id="{D941D363-AF8D-058B-C596-C953184B7153}"/>
               </a:ext>
             </a:extLst>
           </p:cNvPr>
@@ -2507,7 +2507,7 @@
           <p:cNvPr id="3" name="图片占位符 2">
             <a:extLst>
               <a:ext uri="{FF2B5EF4-FFF2-40B4-BE49-F238E27FC236}">
-                <a16:creationId xmlns:a16="http://schemas.microsoft.com/office/drawing/2014/main" id="{FBAA9371-4B74-0DCA-C448-0DDD21A7D89E}"/>
+                <a16:creationId xmlns:a16="http://schemas.microsoft.com/office/drawing/2014/main" id="{8D273D77-974B-68EB-6933-4C7BD31E2080}"/>
               </a:ext>
             </a:extLst>
           </p:cNvPr>
@@ -2574,7 +2574,7 @@
           <p:cNvPr id="4" name="文本占位符 3">
             <a:extLst>
               <a:ext uri="{FF2B5EF4-FFF2-40B4-BE49-F238E27FC236}">
-                <a16:creationId xmlns:a16="http://schemas.microsoft.com/office/drawing/2014/main" id="{3A0F4417-70A4-2731-32FF-67F833BF2775}"/>
+                <a16:creationId xmlns:a16="http://schemas.microsoft.com/office/drawing/2014/main" id="{F8EAC1B5-BF12-9887-641F-7F2E86A1441A}"/>
               </a:ext>
             </a:extLst>
           </p:cNvPr>
@@ -2645,7 +2645,7 @@
           <p:cNvPr id="5" name="日期占位符 4">
             <a:extLst>
               <a:ext uri="{FF2B5EF4-FFF2-40B4-BE49-F238E27FC236}">
-                <a16:creationId xmlns:a16="http://schemas.microsoft.com/office/drawing/2014/main" id="{F3FFCB68-3C12-B356-DF42-C3799E5EDDF6}"/>
+                <a16:creationId xmlns:a16="http://schemas.microsoft.com/office/drawing/2014/main" id="{3C5C41C3-02A5-3659-6013-FE20831AC3CA}"/>
               </a:ext>
             </a:extLst>
           </p:cNvPr>
@@ -2661,7 +2661,7 @@
           <a:bodyPr/>
           <a:lstStyle/>
           <a:p>
-            <a:fld id="{74F638AE-1EDF-4200-911E-0DC3CAE4A6DB}" type="datetimeFigureOut">
+            <a:fld id="{C7CE13EE-C1CA-412B-AFB0-2D955F2592ED}" type="datetimeFigureOut">
               <a:rPr lang="zh-CN" altLang="en-US" smtClean="0"/>
               <a:t>2024/3/10</a:t>
             </a:fld>
@@ -2674,7 +2674,7 @@
           <p:cNvPr id="6" name="页脚占位符 5">
             <a:extLst>
               <a:ext uri="{FF2B5EF4-FFF2-40B4-BE49-F238E27FC236}">
-                <a16:creationId xmlns:a16="http://schemas.microsoft.com/office/drawing/2014/main" id="{E7559A84-A3E1-9E7D-90EA-CA9E0DD435A4}"/>
+                <a16:creationId xmlns:a16="http://schemas.microsoft.com/office/drawing/2014/main" id="{D43D69BC-E27C-BC04-B95F-C1E9F4C6E57F}"/>
               </a:ext>
             </a:extLst>
           </p:cNvPr>
@@ -2699,7 +2699,7 @@
           <p:cNvPr id="7" name="灯片编号占位符 6">
             <a:extLst>
               <a:ext uri="{FF2B5EF4-FFF2-40B4-BE49-F238E27FC236}">
-                <a16:creationId xmlns:a16="http://schemas.microsoft.com/office/drawing/2014/main" id="{0B0918C1-C033-7724-3A80-E5728C6355D2}"/>
+                <a16:creationId xmlns:a16="http://schemas.microsoft.com/office/drawing/2014/main" id="{441CB65E-2EAF-5771-2428-8C79E810F018}"/>
               </a:ext>
             </a:extLst>
           </p:cNvPr>
@@ -2715,7 +2715,7 @@
           <a:bodyPr/>
           <a:lstStyle/>
           <a:p>
-            <a:fld id="{801230F3-EF55-4052-9A51-B580B51B5E48}" type="slidenum">
+            <a:fld id="{4727E5F4-C9BE-48B4-B5CB-FE6D462EE9B6}" type="slidenum">
               <a:rPr lang="zh-CN" altLang="en-US" smtClean="0"/>
               <a:t>‹#›</a:t>
             </a:fld>
@@ -2726,7 +2726,7 @@
     </p:spTree>
     <p:extLst>
       <p:ext uri="{BB962C8B-B14F-4D97-AF65-F5344CB8AC3E}">
-        <p14:creationId xmlns:p14="http://schemas.microsoft.com/office/powerpoint/2010/main" val="3874293586"/>
+        <p14:creationId xmlns:p14="http://schemas.microsoft.com/office/powerpoint/2010/main" val="525780588"/>
       </p:ext>
     </p:extLst>
   </p:cSld>
@@ -2763,7 +2763,7 @@
           <p:cNvPr id="2" name="标题占位符 1">
             <a:extLst>
               <a:ext uri="{FF2B5EF4-FFF2-40B4-BE49-F238E27FC236}">
-                <a16:creationId xmlns:a16="http://schemas.microsoft.com/office/drawing/2014/main" id="{C93F015C-C38E-0597-1984-904CE978AFED}"/>
+                <a16:creationId xmlns:a16="http://schemas.microsoft.com/office/drawing/2014/main" id="{311FD353-DE17-1FD4-3D8E-064EEB01A050}"/>
               </a:ext>
             </a:extLst>
           </p:cNvPr>
@@ -2801,7 +2801,7 @@
           <p:cNvPr id="3" name="文本占位符 2">
             <a:extLst>
               <a:ext uri="{FF2B5EF4-FFF2-40B4-BE49-F238E27FC236}">
-                <a16:creationId xmlns:a16="http://schemas.microsoft.com/office/drawing/2014/main" id="{995F9562-5A2A-2E40-30FD-C7099C1D67F6}"/>
+                <a16:creationId xmlns:a16="http://schemas.microsoft.com/office/drawing/2014/main" id="{76F1E8A5-6E73-52C1-F8E6-7B5CB566196F}"/>
               </a:ext>
             </a:extLst>
           </p:cNvPr>
@@ -2868,7 +2868,7 @@
           <p:cNvPr id="4" name="日期占位符 3">
             <a:extLst>
               <a:ext uri="{FF2B5EF4-FFF2-40B4-BE49-F238E27FC236}">
-                <a16:creationId xmlns:a16="http://schemas.microsoft.com/office/drawing/2014/main" id="{AEFF1AF0-5EC8-B90A-C68B-C3836D24FC45}"/>
+                <a16:creationId xmlns:a16="http://schemas.microsoft.com/office/drawing/2014/main" id="{CFAC6568-FC4E-459F-DBCF-D4A80D8A7206}"/>
               </a:ext>
             </a:extLst>
           </p:cNvPr>
@@ -2902,7 +2902,7 @@
             </a:lvl1pPr>
           </a:lstStyle>
           <a:p>
-            <a:fld id="{74F638AE-1EDF-4200-911E-0DC3CAE4A6DB}" type="datetimeFigureOut">
+            <a:fld id="{C7CE13EE-C1CA-412B-AFB0-2D955F2592ED}" type="datetimeFigureOut">
               <a:rPr lang="zh-CN" altLang="en-US" smtClean="0"/>
               <a:t>2024/3/10</a:t>
             </a:fld>
@@ -2915,7 +2915,7 @@
           <p:cNvPr id="5" name="页脚占位符 4">
             <a:extLst>
               <a:ext uri="{FF2B5EF4-FFF2-40B4-BE49-F238E27FC236}">
-                <a16:creationId xmlns:a16="http://schemas.microsoft.com/office/drawing/2014/main" id="{547DA1B8-0F6F-6296-974B-2F50007FA1D5}"/>
+                <a16:creationId xmlns:a16="http://schemas.microsoft.com/office/drawing/2014/main" id="{12FF93DE-F927-5248-F893-9F091874EBDE}"/>
               </a:ext>
             </a:extLst>
           </p:cNvPr>
@@ -2958,7 +2958,7 @@
           <p:cNvPr id="6" name="灯片编号占位符 5">
             <a:extLst>
               <a:ext uri="{FF2B5EF4-FFF2-40B4-BE49-F238E27FC236}">
-                <a16:creationId xmlns:a16="http://schemas.microsoft.com/office/drawing/2014/main" id="{7FC44EF7-8EE8-FD38-3E6E-09517AE32351}"/>
+                <a16:creationId xmlns:a16="http://schemas.microsoft.com/office/drawing/2014/main" id="{2565A4C7-97E4-1BC2-2556-A0F7C6A23412}"/>
               </a:ext>
             </a:extLst>
           </p:cNvPr>
@@ -2992,7 +2992,7 @@
             </a:lvl1pPr>
           </a:lstStyle>
           <a:p>
-            <a:fld id="{801230F3-EF55-4052-9A51-B580B51B5E48}" type="slidenum">
+            <a:fld id="{4727E5F4-C9BE-48B4-B5CB-FE6D462EE9B6}" type="slidenum">
               <a:rPr lang="zh-CN" altLang="en-US" smtClean="0"/>
               <a:t>‹#›</a:t>
             </a:fld>
@@ -3003,7 +3003,7 @@
     </p:spTree>
     <p:extLst>
       <p:ext uri="{BB962C8B-B14F-4D97-AF65-F5344CB8AC3E}">
-        <p14:creationId xmlns:p14="http://schemas.microsoft.com/office/powerpoint/2010/main" val="3973769985"/>
+        <p14:creationId xmlns:p14="http://schemas.microsoft.com/office/powerpoint/2010/main" val="3844756606"/>
       </p:ext>
     </p:extLst>
   </p:cSld>
